--- a/dl2020/medium/img.pptx
+++ b/dl2020/medium/img.pptx
@@ -250,7 +250,7 @@
           <a:p>
             <a:fld id="{3E906AA8-AB23-40FA-BFDB-6A33FBF1CFF0}" type="datetimeFigureOut">
               <a:rPr lang="zh-TW" altLang="en-US" smtClean="0"/>
-              <a:t>2020/11/18</a:t>
+              <a:t>2021/1/3</a:t>
             </a:fld>
             <a:endParaRPr lang="zh-TW" altLang="en-US"/>
           </a:p>
@@ -420,7 +420,7 @@
           <a:p>
             <a:fld id="{3E906AA8-AB23-40FA-BFDB-6A33FBF1CFF0}" type="datetimeFigureOut">
               <a:rPr lang="zh-TW" altLang="en-US" smtClean="0"/>
-              <a:t>2020/11/18</a:t>
+              <a:t>2021/1/3</a:t>
             </a:fld>
             <a:endParaRPr lang="zh-TW" altLang="en-US"/>
           </a:p>
@@ -600,7 +600,7 @@
           <a:p>
             <a:fld id="{3E906AA8-AB23-40FA-BFDB-6A33FBF1CFF0}" type="datetimeFigureOut">
               <a:rPr lang="zh-TW" altLang="en-US" smtClean="0"/>
-              <a:t>2020/11/18</a:t>
+              <a:t>2021/1/3</a:t>
             </a:fld>
             <a:endParaRPr lang="zh-TW" altLang="en-US"/>
           </a:p>
@@ -770,7 +770,7 @@
           <a:p>
             <a:fld id="{3E906AA8-AB23-40FA-BFDB-6A33FBF1CFF0}" type="datetimeFigureOut">
               <a:rPr lang="zh-TW" altLang="en-US" smtClean="0"/>
-              <a:t>2020/11/18</a:t>
+              <a:t>2021/1/3</a:t>
             </a:fld>
             <a:endParaRPr lang="zh-TW" altLang="en-US"/>
           </a:p>
@@ -1014,7 +1014,7 @@
           <a:p>
             <a:fld id="{3E906AA8-AB23-40FA-BFDB-6A33FBF1CFF0}" type="datetimeFigureOut">
               <a:rPr lang="zh-TW" altLang="en-US" smtClean="0"/>
-              <a:t>2020/11/18</a:t>
+              <a:t>2021/1/3</a:t>
             </a:fld>
             <a:endParaRPr lang="zh-TW" altLang="en-US"/>
           </a:p>
@@ -1246,7 +1246,7 @@
           <a:p>
             <a:fld id="{3E906AA8-AB23-40FA-BFDB-6A33FBF1CFF0}" type="datetimeFigureOut">
               <a:rPr lang="zh-TW" altLang="en-US" smtClean="0"/>
-              <a:t>2020/11/18</a:t>
+              <a:t>2021/1/3</a:t>
             </a:fld>
             <a:endParaRPr lang="zh-TW" altLang="en-US"/>
           </a:p>
@@ -1613,7 +1613,7 @@
           <a:p>
             <a:fld id="{3E906AA8-AB23-40FA-BFDB-6A33FBF1CFF0}" type="datetimeFigureOut">
               <a:rPr lang="zh-TW" altLang="en-US" smtClean="0"/>
-              <a:t>2020/11/18</a:t>
+              <a:t>2021/1/3</a:t>
             </a:fld>
             <a:endParaRPr lang="zh-TW" altLang="en-US"/>
           </a:p>
@@ -1731,7 +1731,7 @@
           <a:p>
             <a:fld id="{3E906AA8-AB23-40FA-BFDB-6A33FBF1CFF0}" type="datetimeFigureOut">
               <a:rPr lang="zh-TW" altLang="en-US" smtClean="0"/>
-              <a:t>2020/11/18</a:t>
+              <a:t>2021/1/3</a:t>
             </a:fld>
             <a:endParaRPr lang="zh-TW" altLang="en-US"/>
           </a:p>
@@ -1826,7 +1826,7 @@
           <a:p>
             <a:fld id="{3E906AA8-AB23-40FA-BFDB-6A33FBF1CFF0}" type="datetimeFigureOut">
               <a:rPr lang="zh-TW" altLang="en-US" smtClean="0"/>
-              <a:t>2020/11/18</a:t>
+              <a:t>2021/1/3</a:t>
             </a:fld>
             <a:endParaRPr lang="zh-TW" altLang="en-US"/>
           </a:p>
@@ -2103,7 +2103,7 @@
           <a:p>
             <a:fld id="{3E906AA8-AB23-40FA-BFDB-6A33FBF1CFF0}" type="datetimeFigureOut">
               <a:rPr lang="zh-TW" altLang="en-US" smtClean="0"/>
-              <a:t>2020/11/18</a:t>
+              <a:t>2021/1/3</a:t>
             </a:fld>
             <a:endParaRPr lang="zh-TW" altLang="en-US"/>
           </a:p>
@@ -2360,7 +2360,7 @@
           <a:p>
             <a:fld id="{3E906AA8-AB23-40FA-BFDB-6A33FBF1CFF0}" type="datetimeFigureOut">
               <a:rPr lang="zh-TW" altLang="en-US" smtClean="0"/>
-              <a:t>2020/11/18</a:t>
+              <a:t>2021/1/3</a:t>
             </a:fld>
             <a:endParaRPr lang="zh-TW" altLang="en-US"/>
           </a:p>
@@ -2573,7 +2573,7 @@
           <a:p>
             <a:fld id="{3E906AA8-AB23-40FA-BFDB-6A33FBF1CFF0}" type="datetimeFigureOut">
               <a:rPr lang="zh-TW" altLang="en-US" smtClean="0"/>
-              <a:t>2020/11/18</a:t>
+              <a:t>2021/1/3</a:t>
             </a:fld>
             <a:endParaRPr lang="zh-TW" altLang="en-US"/>
           </a:p>
@@ -16124,7 +16124,7 @@
     <p:bg>
       <p:bgPr>
         <a:solidFill>
-          <a:srgbClr val="282828"/>
+          <a:schemeClr val="bg1"/>
         </a:solidFill>
         <a:effectLst/>
       </p:bgPr>
@@ -16143,6 +16143,54 @@
           <a:chExt cx="0" cy="0"/>
         </a:xfrm>
       </p:grpSpPr>
+      <p:sp>
+        <p:nvSpPr>
+          <p:cNvPr id="2" name="圓角矩形 1"/>
+          <p:cNvSpPr/>
+          <p:nvPr/>
+        </p:nvSpPr>
+        <p:spPr>
+          <a:xfrm>
+            <a:off x="3652645" y="6972300"/>
+            <a:ext cx="17359505" cy="10953750"/>
+          </a:xfrm>
+          <a:prstGeom prst="roundRect">
+            <a:avLst>
+              <a:gd name="adj" fmla="val 7032"/>
+            </a:avLst>
+          </a:prstGeom>
+          <a:solidFill>
+            <a:srgbClr val="282828"/>
+          </a:solidFill>
+          <a:ln>
+            <a:noFill/>
+          </a:ln>
+        </p:spPr>
+        <p:style>
+          <a:lnRef idx="2">
+            <a:schemeClr val="accent1">
+              <a:shade val="50000"/>
+            </a:schemeClr>
+          </a:lnRef>
+          <a:fillRef idx="1">
+            <a:schemeClr val="accent1"/>
+          </a:fillRef>
+          <a:effectRef idx="0">
+            <a:schemeClr val="accent1"/>
+          </a:effectRef>
+          <a:fontRef idx="minor">
+            <a:schemeClr val="lt1"/>
+          </a:fontRef>
+        </p:style>
+        <p:txBody>
+          <a:bodyPr rtlCol="0" anchor="ctr"/>
+          <a:lstStyle/>
+          <a:p>
+            <a:pPr algn="ctr"/>
+            <a:endParaRPr lang="zh-TW" altLang="en-US"/>
+          </a:p>
+        </p:txBody>
+      </p:sp>
       <p:sp>
         <p:nvSpPr>
           <p:cNvPr id="126" name="立方體 125"/>
@@ -16902,12 +16950,7 @@
           <a:p>
             <a:pPr algn="ctr"/>
             <a:r>
-              <a:rPr lang="en-US" altLang="zh-TW" sz="3200" b="1" dirty="0" smtClean="0">
-                <a:ln>
-                  <a:solidFill>
-                    <a:srgbClr val="282828"/>
-                  </a:solidFill>
-                </a:ln>
+              <a:rPr lang="en-US" altLang="zh-TW" sz="3200" dirty="0" smtClean="0">
                 <a:latin typeface="SauceCodePro Nerd Font" panose="020B0509030403020204" pitchFamily="49" charset="0"/>
                 <a:ea typeface="SauceCodePro Nerd Font" panose="020B0509030403020204" pitchFamily="49" charset="0"/>
               </a:rPr>
@@ -16957,7 +17000,14 @@
           <a:p>
             <a:pPr algn="ctr"/>
             <a:r>
-              <a:rPr lang="en-US" altLang="zh-TW" sz="3200" b="1" dirty="0" smtClean="0">
+              <a:rPr lang="en-US" altLang="zh-TW" sz="3200" dirty="0" smtClean="0">
+                <a:latin typeface="SauceCodePro Nerd Font" panose="020B0509030403020204" pitchFamily="49" charset="0"/>
+                <a:ea typeface="SauceCodePro Nerd Font" panose="020B0509030403020204" pitchFamily="49" charset="0"/>
+              </a:rPr>
+              <a:t>State</a:t>
+            </a:r>
+            <a:r>
+              <a:rPr lang="en-US" altLang="zh-TW" sz="3200" dirty="0" smtClean="0">
                 <a:ln>
                   <a:solidFill>
                     <a:srgbClr val="282828"/>
@@ -16966,7 +17016,14 @@
                 <a:latin typeface="SauceCodePro Nerd Font" panose="020B0509030403020204" pitchFamily="49" charset="0"/>
                 <a:ea typeface="SauceCodePro Nerd Font" panose="020B0509030403020204" pitchFamily="49" charset="0"/>
               </a:rPr>
-              <a:t>State Embedding</a:t>
+              <a:t> </a:t>
+            </a:r>
+            <a:r>
+              <a:rPr lang="en-US" altLang="zh-TW" sz="3200" dirty="0" smtClean="0">
+                <a:latin typeface="SauceCodePro Nerd Font" panose="020B0509030403020204" pitchFamily="49" charset="0"/>
+                <a:ea typeface="SauceCodePro Nerd Font" panose="020B0509030403020204" pitchFamily="49" charset="0"/>
+              </a:rPr>
+              <a:t>Embedding</a:t>
             </a:r>
           </a:p>
         </p:txBody>
@@ -17012,24 +17069,14 @@
           <a:p>
             <a:pPr algn="ctr"/>
             <a:r>
-              <a:rPr lang="en-US" altLang="zh-TW" sz="3200" b="1" dirty="0">
-                <a:ln>
-                  <a:solidFill>
-                    <a:srgbClr val="282828"/>
-                  </a:solidFill>
-                </a:ln>
+              <a:rPr lang="en-US" altLang="zh-TW" sz="3200" dirty="0">
                 <a:latin typeface="SauceCodePro Nerd Font" panose="020B0509030403020204" pitchFamily="49" charset="0"/>
                 <a:ea typeface="SauceCodePro Nerd Font" panose="020B0509030403020204" pitchFamily="49" charset="0"/>
               </a:rPr>
               <a:t>n</a:t>
             </a:r>
             <a:r>
-              <a:rPr lang="en-US" altLang="zh-TW" sz="3200" b="1" dirty="0" smtClean="0">
-                <a:ln>
-                  <a:solidFill>
-                    <a:srgbClr val="282828"/>
-                  </a:solidFill>
-                </a:ln>
+              <a:rPr lang="en-US" altLang="zh-TW" sz="3200" dirty="0" smtClean="0">
                 <a:latin typeface="SauceCodePro Nerd Font" panose="020B0509030403020204" pitchFamily="49" charset="0"/>
                 <a:ea typeface="SauceCodePro Nerd Font" panose="020B0509030403020204" pitchFamily="49" charset="0"/>
               </a:rPr>
@@ -17079,12 +17126,7 @@
           <a:p>
             <a:pPr algn="ctr"/>
             <a:r>
-              <a:rPr lang="en-US" altLang="zh-TW" sz="3200" b="1" dirty="0" smtClean="0">
-                <a:ln>
-                  <a:solidFill>
-                    <a:srgbClr val="282828"/>
-                  </a:solidFill>
-                </a:ln>
+              <a:rPr lang="en-US" altLang="zh-TW" sz="3200" dirty="0" smtClean="0">
                 <a:latin typeface="SauceCodePro Nerd Font" panose="020B0509030403020204" pitchFamily="49" charset="0"/>
                 <a:ea typeface="SauceCodePro Nerd Font" panose="020B0509030403020204" pitchFamily="49" charset="0"/>
               </a:rPr>
@@ -17134,12 +17176,7 @@
           <a:p>
             <a:pPr algn="ctr"/>
             <a:r>
-              <a:rPr lang="en-US" altLang="zh-TW" sz="3200" b="1" dirty="0" smtClean="0">
-                <a:ln>
-                  <a:solidFill>
-                    <a:srgbClr val="282828"/>
-                  </a:solidFill>
-                </a:ln>
+              <a:rPr lang="en-US" altLang="zh-TW" sz="3200" dirty="0" smtClean="0">
                 <a:latin typeface="SauceCodePro Nerd Font" panose="020B0509030403020204" pitchFamily="49" charset="0"/>
                 <a:ea typeface="SauceCodePro Nerd Font" panose="020B0509030403020204" pitchFamily="49" charset="0"/>
               </a:rPr>
@@ -17189,23 +17226,13 @@
           <a:p>
             <a:pPr algn="ctr"/>
             <a:r>
-              <a:rPr lang="en-US" altLang="zh-TW" sz="3200" b="1" dirty="0">
-                <a:ln>
-                  <a:solidFill>
-                    <a:srgbClr val="282828"/>
-                  </a:solidFill>
-                </a:ln>
+              <a:rPr lang="en-US" altLang="zh-TW" sz="3200" dirty="0">
                 <a:latin typeface="SauceCodePro Nerd Font" panose="020B0509030403020204" pitchFamily="49" charset="0"/>
                 <a:ea typeface="SauceCodePro Nerd Font" panose="020B0509030403020204" pitchFamily="49" charset="0"/>
               </a:rPr>
               <a:t>n</a:t>
             </a:r>
-            <a:endParaRPr lang="en-US" altLang="zh-TW" sz="3200" b="1" dirty="0" smtClean="0">
-              <a:ln>
-                <a:solidFill>
-                  <a:srgbClr val="282828"/>
-                </a:solidFill>
-              </a:ln>
+            <a:endParaRPr lang="en-US" altLang="zh-TW" sz="3200" dirty="0" smtClean="0">
               <a:latin typeface="SauceCodePro Nerd Font" panose="020B0509030403020204" pitchFamily="49" charset="0"/>
               <a:ea typeface="SauceCodePro Nerd Font" panose="020B0509030403020204" pitchFamily="49" charset="0"/>
             </a:endParaRPr>
@@ -17768,11 +17795,9 @@
           <a:p>
             <a:pPr algn="ctr"/>
             <a:r>
-              <a:rPr lang="en-US" altLang="zh-TW" sz="3200" b="1" dirty="0" smtClean="0">
+              <a:rPr lang="en-US" altLang="zh-TW" sz="3200" dirty="0" smtClean="0">
                 <a:ln w="9525">
-                  <a:solidFill>
-                    <a:srgbClr val="282828"/>
-                  </a:solidFill>
+                  <a:noFill/>
                 </a:ln>
                 <a:latin typeface="SauceCodePro Nerd Font" panose="020B0509030403020204" pitchFamily="49" charset="0"/>
                 <a:ea typeface="SauceCodePro Nerd Font" panose="020B0509030403020204" pitchFamily="49" charset="0"/>
@@ -17823,11 +17848,9 @@
           <a:p>
             <a:pPr algn="ctr"/>
             <a:r>
-              <a:rPr lang="en-US" altLang="zh-TW" sz="3200" b="1" dirty="0" smtClean="0">
+              <a:rPr lang="en-US" altLang="zh-TW" sz="3200" dirty="0" smtClean="0">
                 <a:ln w="9525">
-                  <a:solidFill>
-                    <a:srgbClr val="282828"/>
-                  </a:solidFill>
+                  <a:noFill/>
                 </a:ln>
                 <a:latin typeface="SauceCodePro Nerd Font" panose="020B0509030403020204" pitchFamily="49" charset="0"/>
                 <a:ea typeface="SauceCodePro Nerd Font" panose="020B0509030403020204" pitchFamily="49" charset="0"/>
@@ -17878,11 +17901,9 @@
           <a:p>
             <a:pPr algn="ctr"/>
             <a:r>
-              <a:rPr lang="en-US" altLang="zh-TW" sz="3200" b="1" dirty="0" smtClean="0">
+              <a:rPr lang="en-US" altLang="zh-TW" sz="3200" dirty="0" smtClean="0">
                 <a:ln w="9525">
-                  <a:solidFill>
-                    <a:srgbClr val="282828"/>
-                  </a:solidFill>
+                  <a:noFill/>
                 </a:ln>
                 <a:latin typeface="SauceCodePro Nerd Font" panose="020B0509030403020204" pitchFamily="49" charset="0"/>
                 <a:ea typeface="SauceCodePro Nerd Font" panose="020B0509030403020204" pitchFamily="49" charset="0"/>
@@ -17933,11 +17954,9 @@
           <a:p>
             <a:pPr algn="ctr"/>
             <a:r>
-              <a:rPr lang="en-US" altLang="zh-TW" sz="3200" b="1" dirty="0" smtClean="0">
+              <a:rPr lang="en-US" altLang="zh-TW" sz="3200" dirty="0" smtClean="0">
                 <a:ln w="9525">
-                  <a:solidFill>
-                    <a:srgbClr val="282828"/>
-                  </a:solidFill>
+                  <a:noFill/>
                 </a:ln>
                 <a:latin typeface="SauceCodePro Nerd Font" panose="020B0509030403020204" pitchFamily="49" charset="0"/>
                 <a:ea typeface="SauceCodePro Nerd Font" panose="020B0509030403020204" pitchFamily="49" charset="0"/>
@@ -18678,14 +18697,6 @@
 <file path=ppt/slides/slide8.xml><?xml version="1.0" encoding="utf-8"?>
 <p:sld xmlns:a="http://schemas.openxmlformats.org/drawingml/2006/main" xmlns:r="http://schemas.openxmlformats.org/officeDocument/2006/relationships" xmlns:p="http://schemas.openxmlformats.org/presentationml/2006/main">
   <p:cSld>
-    <p:bg>
-      <p:bgPr>
-        <a:solidFill>
-          <a:srgbClr val="282828"/>
-        </a:solidFill>
-        <a:effectLst/>
-      </p:bgPr>
-    </p:bg>
     <p:spTree>
       <p:nvGrpSpPr>
         <p:cNvPr id="1" name=""/>
@@ -18700,6 +18711,54 @@
           <a:chExt cx="0" cy="0"/>
         </a:xfrm>
       </p:grpSpPr>
+      <p:sp>
+        <p:nvSpPr>
+          <p:cNvPr id="2" name="圓角矩形 1"/>
+          <p:cNvSpPr/>
+          <p:nvPr/>
+        </p:nvSpPr>
+        <p:spPr>
+          <a:xfrm>
+            <a:off x="10827656" y="9071429"/>
+            <a:ext cx="7620001" cy="6691085"/>
+          </a:xfrm>
+          <a:prstGeom prst="roundRect">
+            <a:avLst>
+              <a:gd name="adj" fmla="val 9450"/>
+            </a:avLst>
+          </a:prstGeom>
+          <a:solidFill>
+            <a:srgbClr val="282828"/>
+          </a:solidFill>
+          <a:ln>
+            <a:noFill/>
+          </a:ln>
+        </p:spPr>
+        <p:style>
+          <a:lnRef idx="2">
+            <a:schemeClr val="accent1">
+              <a:shade val="50000"/>
+            </a:schemeClr>
+          </a:lnRef>
+          <a:fillRef idx="1">
+            <a:schemeClr val="accent1"/>
+          </a:fillRef>
+          <a:effectRef idx="0">
+            <a:schemeClr val="accent1"/>
+          </a:effectRef>
+          <a:fontRef idx="minor">
+            <a:schemeClr val="lt1"/>
+          </a:fontRef>
+        </p:style>
+        <p:txBody>
+          <a:bodyPr rtlCol="0" anchor="ctr"/>
+          <a:lstStyle/>
+          <a:p>
+            <a:pPr algn="ctr"/>
+            <a:endParaRPr lang="zh-TW" altLang="en-US"/>
+          </a:p>
+        </p:txBody>
+      </p:sp>
       <p:sp>
         <p:nvSpPr>
           <p:cNvPr id="4" name="圓角矩形 3"/>
